--- a/img/logos.pptx
+++ b/img/logos.pptx
@@ -7,6 +7,8 @@
   <p:sldIdLst>
     <p:sldId id="258" r:id="rId2"/>
     <p:sldId id="259" r:id="rId3"/>
+    <p:sldId id="261" r:id="rId4"/>
+    <p:sldId id="262" r:id="rId5"/>
   </p:sldIdLst>
   <p:sldSz cx="12192000" cy="6858000"/>
   <p:notesSz cx="6858000" cy="9144000"/>
@@ -105,6 +107,11 @@
       </a:defRPr>
     </a:lvl9pPr>
   </p:defaultTextStyle>
+  <p:extLst>
+    <p:ext uri="{EFAFB233-063F-42B5-8137-9DF3F51BA10A}">
+      <p15:sldGuideLst xmlns:p15="http://schemas.microsoft.com/office/powerpoint/2012/main"/>
+    </p:ext>
+  </p:extLst>
 </p:presentation>
 </file>
 
@@ -255,7 +262,7 @@
           <a:p>
             <a:fld id="{5FA46450-F8DD-4AAE-93B5-3F071675F0E2}" type="datetimeFigureOut">
               <a:rPr lang="en-US" smtClean="0"/>
-              <a:t>3/7/2021</a:t>
+              <a:t>3/8/2021</a:t>
             </a:fld>
             <a:endParaRPr lang="en-US"/>
           </a:p>
@@ -453,7 +460,7 @@
           <a:p>
             <a:fld id="{5FA46450-F8DD-4AAE-93B5-3F071675F0E2}" type="datetimeFigureOut">
               <a:rPr lang="en-US" smtClean="0"/>
-              <a:t>3/7/2021</a:t>
+              <a:t>3/8/2021</a:t>
             </a:fld>
             <a:endParaRPr lang="en-US"/>
           </a:p>
@@ -661,7 +668,7 @@
           <a:p>
             <a:fld id="{5FA46450-F8DD-4AAE-93B5-3F071675F0E2}" type="datetimeFigureOut">
               <a:rPr lang="en-US" smtClean="0"/>
-              <a:t>3/7/2021</a:t>
+              <a:t>3/8/2021</a:t>
             </a:fld>
             <a:endParaRPr lang="en-US"/>
           </a:p>
@@ -859,7 +866,7 @@
           <a:p>
             <a:fld id="{5FA46450-F8DD-4AAE-93B5-3F071675F0E2}" type="datetimeFigureOut">
               <a:rPr lang="en-US" smtClean="0"/>
-              <a:t>3/7/2021</a:t>
+              <a:t>3/8/2021</a:t>
             </a:fld>
             <a:endParaRPr lang="en-US"/>
           </a:p>
@@ -1134,7 +1141,7 @@
           <a:p>
             <a:fld id="{5FA46450-F8DD-4AAE-93B5-3F071675F0E2}" type="datetimeFigureOut">
               <a:rPr lang="en-US" smtClean="0"/>
-              <a:t>3/7/2021</a:t>
+              <a:t>3/8/2021</a:t>
             </a:fld>
             <a:endParaRPr lang="en-US"/>
           </a:p>
@@ -1399,7 +1406,7 @@
           <a:p>
             <a:fld id="{5FA46450-F8DD-4AAE-93B5-3F071675F0E2}" type="datetimeFigureOut">
               <a:rPr lang="en-US" smtClean="0"/>
-              <a:t>3/7/2021</a:t>
+              <a:t>3/8/2021</a:t>
             </a:fld>
             <a:endParaRPr lang="en-US"/>
           </a:p>
@@ -1811,7 +1818,7 @@
           <a:p>
             <a:fld id="{5FA46450-F8DD-4AAE-93B5-3F071675F0E2}" type="datetimeFigureOut">
               <a:rPr lang="en-US" smtClean="0"/>
-              <a:t>3/7/2021</a:t>
+              <a:t>3/8/2021</a:t>
             </a:fld>
             <a:endParaRPr lang="en-US"/>
           </a:p>
@@ -1952,7 +1959,7 @@
           <a:p>
             <a:fld id="{5FA46450-F8DD-4AAE-93B5-3F071675F0E2}" type="datetimeFigureOut">
               <a:rPr lang="en-US" smtClean="0"/>
-              <a:t>3/7/2021</a:t>
+              <a:t>3/8/2021</a:t>
             </a:fld>
             <a:endParaRPr lang="en-US"/>
           </a:p>
@@ -2065,7 +2072,7 @@
           <a:p>
             <a:fld id="{5FA46450-F8DD-4AAE-93B5-3F071675F0E2}" type="datetimeFigureOut">
               <a:rPr lang="en-US" smtClean="0"/>
-              <a:t>3/7/2021</a:t>
+              <a:t>3/8/2021</a:t>
             </a:fld>
             <a:endParaRPr lang="en-US"/>
           </a:p>
@@ -2376,7 +2383,7 @@
           <a:p>
             <a:fld id="{5FA46450-F8DD-4AAE-93B5-3F071675F0E2}" type="datetimeFigureOut">
               <a:rPr lang="en-US" smtClean="0"/>
-              <a:t>3/7/2021</a:t>
+              <a:t>3/8/2021</a:t>
             </a:fld>
             <a:endParaRPr lang="en-US"/>
           </a:p>
@@ -2664,7 +2671,7 @@
           <a:p>
             <a:fld id="{5FA46450-F8DD-4AAE-93B5-3F071675F0E2}" type="datetimeFigureOut">
               <a:rPr lang="en-US" smtClean="0"/>
-              <a:t>3/7/2021</a:t>
+              <a:t>3/8/2021</a:t>
             </a:fld>
             <a:endParaRPr lang="en-US"/>
           </a:p>
@@ -2905,7 +2912,7 @@
           <a:p>
             <a:fld id="{5FA46450-F8DD-4AAE-93B5-3F071675F0E2}" type="datetimeFigureOut">
               <a:rPr lang="en-US" smtClean="0"/>
-              <a:t>3/7/2021</a:t>
+              <a:t>3/8/2021</a:t>
             </a:fld>
             <a:endParaRPr lang="en-US"/>
           </a:p>
@@ -3659,6 +3666,546 @@
 </p:sld>
 </file>
 
+<file path=ppt/slides/slide3.xml><?xml version="1.0" encoding="utf-8"?>
+<p:sld xmlns:a="http://schemas.openxmlformats.org/drawingml/2006/main" xmlns:r="http://schemas.openxmlformats.org/officeDocument/2006/relationships" xmlns:p="http://schemas.openxmlformats.org/presentationml/2006/main">
+  <p:cSld>
+    <p:bg>
+      <p:bgPr>
+        <a:solidFill>
+          <a:schemeClr val="accent1">
+            <a:lumMod val="20000"/>
+            <a:lumOff val="80000"/>
+          </a:schemeClr>
+        </a:solidFill>
+        <a:effectLst/>
+      </p:bgPr>
+    </p:bg>
+    <p:spTree>
+      <p:nvGrpSpPr>
+        <p:cNvPr id="1" name=""/>
+        <p:cNvGrpSpPr/>
+        <p:nvPr/>
+      </p:nvGrpSpPr>
+      <p:grpSpPr>
+        <a:xfrm>
+          <a:off x="0" y="0"/>
+          <a:ext cx="0" cy="0"/>
+          <a:chOff x="0" y="0"/>
+          <a:chExt cx="0" cy="0"/>
+        </a:xfrm>
+      </p:grpSpPr>
+      <p:sp>
+        <p:nvSpPr>
+          <p:cNvPr id="2" name="Freeform: Shape 1">
+            <a:extLst>
+              <a:ext uri="{FF2B5EF4-FFF2-40B4-BE49-F238E27FC236}">
+                <a16:creationId xmlns:a16="http://schemas.microsoft.com/office/drawing/2014/main" id="{5A88048A-2E9D-4D6E-8CFD-01FEA417EAD4}"/>
+              </a:ext>
+            </a:extLst>
+          </p:cNvPr>
+          <p:cNvSpPr/>
+          <p:nvPr/>
+        </p:nvSpPr>
+        <p:spPr>
+          <a:xfrm rot="1491864">
+            <a:off x="1265170" y="1513045"/>
+            <a:ext cx="4656855" cy="4837553"/>
+          </a:xfrm>
+          <a:custGeom>
+            <a:avLst/>
+            <a:gdLst>
+              <a:gd name="connsiteX0" fmla="*/ 347363 w 5936417"/>
+              <a:gd name="connsiteY0" fmla="*/ 1702027 h 5037114"/>
+              <a:gd name="connsiteX1" fmla="*/ 3325455 w 5936417"/>
+              <a:gd name="connsiteY1" fmla="*/ 41007 h 5037114"/>
+              <a:gd name="connsiteX2" fmla="*/ 5875708 w 5936417"/>
+              <a:gd name="connsiteY2" fmla="*/ 905073 h 5037114"/>
+              <a:gd name="connsiteX3" fmla="*/ 682923 w 5936417"/>
+              <a:gd name="connsiteY3" fmla="*/ 5032456 h 5037114"/>
+              <a:gd name="connsiteX4" fmla="*/ 347363 w 5936417"/>
+              <a:gd name="connsiteY4" fmla="*/ 1702027 h 5037114"/>
+            </a:gdLst>
+            <a:ahLst/>
+            <a:cxnLst>
+              <a:cxn ang="0">
+                <a:pos x="connsiteX0" y="connsiteY0"/>
+              </a:cxn>
+              <a:cxn ang="0">
+                <a:pos x="connsiteX1" y="connsiteY1"/>
+              </a:cxn>
+              <a:cxn ang="0">
+                <a:pos x="connsiteX2" y="connsiteY2"/>
+              </a:cxn>
+              <a:cxn ang="0">
+                <a:pos x="connsiteX3" y="connsiteY3"/>
+              </a:cxn>
+              <a:cxn ang="0">
+                <a:pos x="connsiteX4" y="connsiteY4"/>
+              </a:cxn>
+            </a:cxnLst>
+            <a:rect l="l" t="t" r="r" b="b"/>
+            <a:pathLst>
+              <a:path w="5936417" h="5037114">
+                <a:moveTo>
+                  <a:pt x="347363" y="1702027"/>
+                </a:moveTo>
+                <a:cubicBezTo>
+                  <a:pt x="787785" y="870119"/>
+                  <a:pt x="2404064" y="173833"/>
+                  <a:pt x="3325455" y="41007"/>
+                </a:cubicBezTo>
+                <a:cubicBezTo>
+                  <a:pt x="4246846" y="-91819"/>
+                  <a:pt x="6316130" y="73165"/>
+                  <a:pt x="5875708" y="905073"/>
+                </a:cubicBezTo>
+                <a:cubicBezTo>
+                  <a:pt x="5435286" y="1736981"/>
+                  <a:pt x="1609906" y="4902427"/>
+                  <a:pt x="682923" y="5032456"/>
+                </a:cubicBezTo>
+                <a:cubicBezTo>
+                  <a:pt x="-244060" y="5162485"/>
+                  <a:pt x="-93059" y="2533935"/>
+                  <a:pt x="347363" y="1702027"/>
+                </a:cubicBezTo>
+                <a:close/>
+              </a:path>
+            </a:pathLst>
+          </a:custGeom>
+          <a:ln>
+            <a:noFill/>
+          </a:ln>
+        </p:spPr>
+        <p:style>
+          <a:lnRef idx="2">
+            <a:schemeClr val="accent1">
+              <a:shade val="50000"/>
+            </a:schemeClr>
+          </a:lnRef>
+          <a:fillRef idx="1">
+            <a:schemeClr val="accent1"/>
+          </a:fillRef>
+          <a:effectRef idx="0">
+            <a:schemeClr val="accent1"/>
+          </a:effectRef>
+          <a:fontRef idx="minor">
+            <a:schemeClr val="lt1"/>
+          </a:fontRef>
+        </p:style>
+        <p:txBody>
+          <a:bodyPr rtlCol="0" anchor="ctr"/>
+          <a:lstStyle/>
+          <a:p>
+            <a:pPr algn="ctr"/>
+            <a:endParaRPr lang="en-US"/>
+          </a:p>
+        </p:txBody>
+      </p:sp>
+      <p:sp>
+        <p:nvSpPr>
+          <p:cNvPr id="3" name="Freeform: Shape 2">
+            <a:extLst>
+              <a:ext uri="{FF2B5EF4-FFF2-40B4-BE49-F238E27FC236}">
+                <a16:creationId xmlns:a16="http://schemas.microsoft.com/office/drawing/2014/main" id="{6E576BD7-B9C7-4738-93D3-DFA82187B4E6}"/>
+              </a:ext>
+            </a:extLst>
+          </p:cNvPr>
+          <p:cNvSpPr/>
+          <p:nvPr/>
+        </p:nvSpPr>
+        <p:spPr>
+          <a:xfrm rot="1556313">
+            <a:off x="4901189" y="614554"/>
+            <a:ext cx="4848237" cy="5175676"/>
+          </a:xfrm>
+          <a:custGeom>
+            <a:avLst/>
+            <a:gdLst>
+              <a:gd name="connsiteX0" fmla="*/ 2378422 w 4848237"/>
+              <a:gd name="connsiteY0" fmla="*/ 445017 h 6919642"/>
+              <a:gd name="connsiteX1" fmla="*/ 2592067 w 4848237"/>
+              <a:gd name="connsiteY1" fmla="*/ 419379 h 6919642"/>
+              <a:gd name="connsiteX2" fmla="*/ 626534 w 4848237"/>
+              <a:gd name="connsiteY2" fmla="*/ 3436045 h 6919642"/>
+              <a:gd name="connsiteX3" fmla="*/ 28329 w 4848237"/>
+              <a:gd name="connsiteY3" fmla="*/ 4487177 h 6919642"/>
+              <a:gd name="connsiteX4" fmla="*/ 361615 w 4848237"/>
+              <a:gd name="connsiteY4" fmla="*/ 5196478 h 6919642"/>
+              <a:gd name="connsiteX5" fmla="*/ 2592067 w 4848237"/>
+              <a:gd name="connsiteY5" fmla="*/ 6085241 h 6919642"/>
+              <a:gd name="connsiteX6" fmla="*/ 4848157 w 4848237"/>
+              <a:gd name="connsiteY6" fmla="*/ 6563805 h 6919642"/>
+              <a:gd name="connsiteX7" fmla="*/ 2515155 w 4848237"/>
+              <a:gd name="connsiteY7" fmla="*/ 453562 h 6919642"/>
+              <a:gd name="connsiteX8" fmla="*/ 2378422 w 4848237"/>
+              <a:gd name="connsiteY8" fmla="*/ 445017 h 6919642"/>
+            </a:gdLst>
+            <a:ahLst/>
+            <a:cxnLst>
+              <a:cxn ang="0">
+                <a:pos x="connsiteX0" y="connsiteY0"/>
+              </a:cxn>
+              <a:cxn ang="0">
+                <a:pos x="connsiteX1" y="connsiteY1"/>
+              </a:cxn>
+              <a:cxn ang="0">
+                <a:pos x="connsiteX2" y="connsiteY2"/>
+              </a:cxn>
+              <a:cxn ang="0">
+                <a:pos x="connsiteX3" y="connsiteY3"/>
+              </a:cxn>
+              <a:cxn ang="0">
+                <a:pos x="connsiteX4" y="connsiteY4"/>
+              </a:cxn>
+              <a:cxn ang="0">
+                <a:pos x="connsiteX5" y="connsiteY5"/>
+              </a:cxn>
+              <a:cxn ang="0">
+                <a:pos x="connsiteX6" y="connsiteY6"/>
+              </a:cxn>
+              <a:cxn ang="0">
+                <a:pos x="connsiteX7" y="connsiteY7"/>
+              </a:cxn>
+              <a:cxn ang="0">
+                <a:pos x="connsiteX8" y="connsiteY8"/>
+              </a:cxn>
+            </a:cxnLst>
+            <a:rect l="l" t="t" r="r" b="b"/>
+            <a:pathLst>
+              <a:path w="4848237" h="6919642">
+                <a:moveTo>
+                  <a:pt x="2378422" y="445017"/>
+                </a:moveTo>
+                <a:cubicBezTo>
+                  <a:pt x="2391241" y="439320"/>
+                  <a:pt x="2884048" y="-79126"/>
+                  <a:pt x="2592067" y="419379"/>
+                </a:cubicBezTo>
+                <a:cubicBezTo>
+                  <a:pt x="2300086" y="917884"/>
+                  <a:pt x="1053824" y="2758079"/>
+                  <a:pt x="626534" y="3436045"/>
+                </a:cubicBezTo>
+                <a:cubicBezTo>
+                  <a:pt x="199244" y="4114011"/>
+                  <a:pt x="72482" y="4193772"/>
+                  <a:pt x="28329" y="4487177"/>
+                </a:cubicBezTo>
+                <a:cubicBezTo>
+                  <a:pt x="-15824" y="4780582"/>
+                  <a:pt x="-65675" y="4930134"/>
+                  <a:pt x="361615" y="5196478"/>
+                </a:cubicBezTo>
+                <a:cubicBezTo>
+                  <a:pt x="788905" y="5462822"/>
+                  <a:pt x="1844310" y="5857353"/>
+                  <a:pt x="2592067" y="6085241"/>
+                </a:cubicBezTo>
+                <a:cubicBezTo>
+                  <a:pt x="3339824" y="6313129"/>
+                  <a:pt x="4860976" y="7502418"/>
+                  <a:pt x="4848157" y="6563805"/>
+                </a:cubicBezTo>
+                <a:cubicBezTo>
+                  <a:pt x="4835338" y="5625192"/>
+                  <a:pt x="2926777" y="1471936"/>
+                  <a:pt x="2515155" y="453562"/>
+                </a:cubicBezTo>
+                <a:cubicBezTo>
+                  <a:pt x="2103533" y="-564812"/>
+                  <a:pt x="2365603" y="450714"/>
+                  <a:pt x="2378422" y="445017"/>
+                </a:cubicBezTo>
+                <a:close/>
+              </a:path>
+            </a:pathLst>
+          </a:custGeom>
+          <a:solidFill>
+            <a:srgbClr val="002060"/>
+          </a:solidFill>
+          <a:ln>
+            <a:noFill/>
+          </a:ln>
+        </p:spPr>
+        <p:style>
+          <a:lnRef idx="2">
+            <a:schemeClr val="accent1">
+              <a:shade val="50000"/>
+            </a:schemeClr>
+          </a:lnRef>
+          <a:fillRef idx="1">
+            <a:schemeClr val="accent1"/>
+          </a:fillRef>
+          <a:effectRef idx="0">
+            <a:schemeClr val="accent1"/>
+          </a:effectRef>
+          <a:fontRef idx="minor">
+            <a:schemeClr val="lt1"/>
+          </a:fontRef>
+        </p:style>
+        <p:txBody>
+          <a:bodyPr rtlCol="0" anchor="ctr"/>
+          <a:lstStyle/>
+          <a:p>
+            <a:pPr algn="ctr"/>
+            <a:endParaRPr lang="en-US"/>
+          </a:p>
+        </p:txBody>
+      </p:sp>
+      <p:sp>
+        <p:nvSpPr>
+          <p:cNvPr id="11" name="Rectangle: Rounded Corners 10">
+            <a:extLst>
+              <a:ext uri="{FF2B5EF4-FFF2-40B4-BE49-F238E27FC236}">
+                <a16:creationId xmlns:a16="http://schemas.microsoft.com/office/drawing/2014/main" id="{9CEEA79A-A5B2-44FE-92DD-ED35E532A916}"/>
+              </a:ext>
+            </a:extLst>
+          </p:cNvPr>
+          <p:cNvSpPr/>
+          <p:nvPr/>
+        </p:nvSpPr>
+        <p:spPr>
+          <a:xfrm>
+            <a:off x="3772221" y="2342146"/>
+            <a:ext cx="2860146" cy="1959775"/>
+          </a:xfrm>
+          <a:prstGeom prst="roundRect">
+            <a:avLst/>
+          </a:prstGeom>
+          <a:noFill/>
+          <a:ln>
+            <a:noFill/>
+          </a:ln>
+        </p:spPr>
+        <p:style>
+          <a:lnRef idx="2">
+            <a:schemeClr val="accent1">
+              <a:shade val="50000"/>
+            </a:schemeClr>
+          </a:lnRef>
+          <a:fillRef idx="1">
+            <a:schemeClr val="accent1"/>
+          </a:fillRef>
+          <a:effectRef idx="0">
+            <a:schemeClr val="accent1"/>
+          </a:effectRef>
+          <a:fontRef idx="minor">
+            <a:schemeClr val="lt1"/>
+          </a:fontRef>
+        </p:style>
+        <p:txBody>
+          <a:bodyPr rtlCol="0" anchor="ctr"/>
+          <a:lstStyle/>
+          <a:p>
+            <a:pPr algn="ctr"/>
+            <a:endParaRPr lang="en-US"/>
+          </a:p>
+        </p:txBody>
+      </p:sp>
+      <p:grpSp>
+        <p:nvGrpSpPr>
+          <p:cNvPr id="12" name="Group 11">
+            <a:extLst>
+              <a:ext uri="{FF2B5EF4-FFF2-40B4-BE49-F238E27FC236}">
+                <a16:creationId xmlns:a16="http://schemas.microsoft.com/office/drawing/2014/main" id="{4072B29D-6940-464F-A84D-474DF83DB8AE}"/>
+              </a:ext>
+            </a:extLst>
+          </p:cNvPr>
+          <p:cNvGrpSpPr/>
+          <p:nvPr/>
+        </p:nvGrpSpPr>
+        <p:grpSpPr>
+          <a:xfrm>
+            <a:off x="3820345" y="2069789"/>
+            <a:ext cx="2812023" cy="2069736"/>
+            <a:chOff x="3205336" y="1876926"/>
+            <a:chExt cx="1117601" cy="785787"/>
+          </a:xfrm>
+        </p:grpSpPr>
+        <p:sp>
+          <p:nvSpPr>
+            <p:cNvPr id="9" name="TextBox 8">
+              <a:extLst>
+                <a:ext uri="{FF2B5EF4-FFF2-40B4-BE49-F238E27FC236}">
+                  <a16:creationId xmlns:a16="http://schemas.microsoft.com/office/drawing/2014/main" id="{FB2C0CE1-0F7F-462C-A190-7FAF26144DE2}"/>
+                </a:ext>
+              </a:extLst>
+            </p:cNvPr>
+            <p:cNvSpPr txBox="1"/>
+            <p:nvPr/>
+          </p:nvSpPr>
+          <p:spPr>
+            <a:xfrm>
+              <a:off x="3224463" y="1876926"/>
+              <a:ext cx="1098474" cy="542139"/>
+            </a:xfrm>
+            <a:prstGeom prst="rect">
+              <a:avLst/>
+            </a:prstGeom>
+            <a:noFill/>
+          </p:spPr>
+          <p:txBody>
+            <a:bodyPr wrap="square" rtlCol="0">
+              <a:spAutoFit/>
+            </a:bodyPr>
+            <a:lstStyle/>
+            <a:p>
+              <a:r>
+                <a:rPr lang="en-US" sz="8600" b="1" dirty="0">
+                  <a:solidFill>
+                    <a:srgbClr val="FFC000"/>
+                  </a:solidFill>
+                </a:rPr>
+                <a:t>R U N</a:t>
+              </a:r>
+            </a:p>
+          </p:txBody>
+        </p:sp>
+        <p:sp>
+          <p:nvSpPr>
+            <p:cNvPr id="10" name="TextBox 9">
+              <a:extLst>
+                <a:ext uri="{FF2B5EF4-FFF2-40B4-BE49-F238E27FC236}">
+                  <a16:creationId xmlns:a16="http://schemas.microsoft.com/office/drawing/2014/main" id="{7CE8704C-2F82-41B9-9CA1-F440972126FC}"/>
+                </a:ext>
+              </a:extLst>
+            </p:cNvPr>
+            <p:cNvSpPr txBox="1"/>
+            <p:nvPr/>
+          </p:nvSpPr>
+          <p:spPr>
+            <a:xfrm flipV="1">
+              <a:off x="3205336" y="2220751"/>
+              <a:ext cx="1098474" cy="441962"/>
+            </a:xfrm>
+            <a:prstGeom prst="rect">
+              <a:avLst/>
+            </a:prstGeom>
+            <a:noFill/>
+          </p:spPr>
+          <p:txBody>
+            <a:bodyPr wrap="square" rtlCol="0">
+              <a:spAutoFit/>
+            </a:bodyPr>
+            <a:lstStyle/>
+            <a:p>
+              <a:r>
+                <a:rPr lang="en-US" sz="6900" b="1" dirty="0">
+                  <a:solidFill>
+                    <a:srgbClr val="FFC000"/>
+                  </a:solidFill>
+                </a:rPr>
+                <a:t>DOWN</a:t>
+              </a:r>
+            </a:p>
+          </p:txBody>
+        </p:sp>
+      </p:grpSp>
+    </p:spTree>
+    <p:extLst>
+      <p:ext uri="{BB962C8B-B14F-4D97-AF65-F5344CB8AC3E}">
+        <p14:creationId xmlns:p14="http://schemas.microsoft.com/office/powerpoint/2010/main" val="4282375515"/>
+      </p:ext>
+    </p:extLst>
+  </p:cSld>
+  <p:clrMapOvr>
+    <a:masterClrMapping/>
+  </p:clrMapOvr>
+</p:sld>
+</file>
+
+<file path=ppt/slides/slide4.xml><?xml version="1.0" encoding="utf-8"?>
+<p:sld xmlns:a="http://schemas.openxmlformats.org/drawingml/2006/main" xmlns:r="http://schemas.openxmlformats.org/officeDocument/2006/relationships" xmlns:p="http://schemas.openxmlformats.org/presentationml/2006/main">
+  <p:cSld>
+    <p:bg>
+      <p:bgPr>
+        <a:solidFill>
+          <a:schemeClr val="accent1">
+            <a:lumMod val="20000"/>
+            <a:lumOff val="80000"/>
+          </a:schemeClr>
+        </a:solidFill>
+        <a:effectLst/>
+      </p:bgPr>
+    </p:bg>
+    <p:spTree>
+      <p:nvGrpSpPr>
+        <p:cNvPr id="1" name=""/>
+        <p:cNvGrpSpPr/>
+        <p:nvPr/>
+      </p:nvGrpSpPr>
+      <p:grpSpPr>
+        <a:xfrm>
+          <a:off x="0" y="0"/>
+          <a:ext cx="0" cy="0"/>
+          <a:chOff x="0" y="0"/>
+          <a:chExt cx="0" cy="0"/>
+        </a:xfrm>
+      </p:grpSpPr>
+      <p:sp>
+        <p:nvSpPr>
+          <p:cNvPr id="11" name="Rectangle: Rounded Corners 10">
+            <a:extLst>
+              <a:ext uri="{FF2B5EF4-FFF2-40B4-BE49-F238E27FC236}">
+                <a16:creationId xmlns:a16="http://schemas.microsoft.com/office/drawing/2014/main" id="{9CEEA79A-A5B2-44FE-92DD-ED35E532A916}"/>
+              </a:ext>
+            </a:extLst>
+          </p:cNvPr>
+          <p:cNvSpPr/>
+          <p:nvPr/>
+        </p:nvSpPr>
+        <p:spPr>
+          <a:xfrm>
+            <a:off x="3772221" y="2342146"/>
+            <a:ext cx="2860146" cy="1959775"/>
+          </a:xfrm>
+          <a:prstGeom prst="roundRect">
+            <a:avLst/>
+          </a:prstGeom>
+          <a:noFill/>
+          <a:ln>
+            <a:noFill/>
+          </a:ln>
+        </p:spPr>
+        <p:style>
+          <a:lnRef idx="2">
+            <a:schemeClr val="accent1">
+              <a:shade val="50000"/>
+            </a:schemeClr>
+          </a:lnRef>
+          <a:fillRef idx="1">
+            <a:schemeClr val="accent1"/>
+          </a:fillRef>
+          <a:effectRef idx="0">
+            <a:schemeClr val="accent1"/>
+          </a:effectRef>
+          <a:fontRef idx="minor">
+            <a:schemeClr val="lt1"/>
+          </a:fontRef>
+        </p:style>
+        <p:txBody>
+          <a:bodyPr rtlCol="0" anchor="ctr"/>
+          <a:lstStyle/>
+          <a:p>
+            <a:pPr algn="ctr"/>
+            <a:endParaRPr lang="en-US"/>
+          </a:p>
+        </p:txBody>
+      </p:sp>
+    </p:spTree>
+    <p:extLst>
+      <p:ext uri="{BB962C8B-B14F-4D97-AF65-F5344CB8AC3E}">
+        <p14:creationId xmlns:p14="http://schemas.microsoft.com/office/powerpoint/2010/main" val="166529275"/>
+      </p:ext>
+    </p:extLst>
+  </p:cSld>
+  <p:clrMapOvr>
+    <a:masterClrMapping/>
+  </p:clrMapOvr>
+</p:sld>
+</file>
+
 <file path=ppt/theme/theme1.xml><?xml version="1.0" encoding="utf-8"?>
 <a:theme xmlns:a="http://schemas.openxmlformats.org/drawingml/2006/main" name="Office Theme">
   <a:themeElements>

--- a/img/logos.pptx
+++ b/img/logos.pptx
@@ -4193,6 +4193,314 @@
           </a:p>
         </p:txBody>
       </p:sp>
+      <p:sp>
+        <p:nvSpPr>
+          <p:cNvPr id="3" name="Freeform: Shape 2">
+            <a:extLst>
+              <a:ext uri="{FF2B5EF4-FFF2-40B4-BE49-F238E27FC236}">
+                <a16:creationId xmlns:a16="http://schemas.microsoft.com/office/drawing/2014/main" id="{04536F6B-B844-42C5-83C6-3A13D0616AF0}"/>
+              </a:ext>
+            </a:extLst>
+          </p:cNvPr>
+          <p:cNvSpPr/>
+          <p:nvPr/>
+        </p:nvSpPr>
+        <p:spPr>
+          <a:xfrm rot="4912606">
+            <a:off x="-4490977" y="-1280331"/>
+            <a:ext cx="9346118" cy="10613697"/>
+          </a:xfrm>
+          <a:custGeom>
+            <a:avLst/>
+            <a:gdLst>
+              <a:gd name="connsiteX0" fmla="*/ 347363 w 5936417"/>
+              <a:gd name="connsiteY0" fmla="*/ 1702027 h 5037114"/>
+              <a:gd name="connsiteX1" fmla="*/ 3325455 w 5936417"/>
+              <a:gd name="connsiteY1" fmla="*/ 41007 h 5037114"/>
+              <a:gd name="connsiteX2" fmla="*/ 5875708 w 5936417"/>
+              <a:gd name="connsiteY2" fmla="*/ 905073 h 5037114"/>
+              <a:gd name="connsiteX3" fmla="*/ 682923 w 5936417"/>
+              <a:gd name="connsiteY3" fmla="*/ 5032456 h 5037114"/>
+              <a:gd name="connsiteX4" fmla="*/ 347363 w 5936417"/>
+              <a:gd name="connsiteY4" fmla="*/ 1702027 h 5037114"/>
+            </a:gdLst>
+            <a:ahLst/>
+            <a:cxnLst>
+              <a:cxn ang="0">
+                <a:pos x="connsiteX0" y="connsiteY0"/>
+              </a:cxn>
+              <a:cxn ang="0">
+                <a:pos x="connsiteX1" y="connsiteY1"/>
+              </a:cxn>
+              <a:cxn ang="0">
+                <a:pos x="connsiteX2" y="connsiteY2"/>
+              </a:cxn>
+              <a:cxn ang="0">
+                <a:pos x="connsiteX3" y="connsiteY3"/>
+              </a:cxn>
+              <a:cxn ang="0">
+                <a:pos x="connsiteX4" y="connsiteY4"/>
+              </a:cxn>
+            </a:cxnLst>
+            <a:rect l="l" t="t" r="r" b="b"/>
+            <a:pathLst>
+              <a:path w="5936417" h="5037114">
+                <a:moveTo>
+                  <a:pt x="347363" y="1702027"/>
+                </a:moveTo>
+                <a:cubicBezTo>
+                  <a:pt x="787785" y="870119"/>
+                  <a:pt x="2404064" y="173833"/>
+                  <a:pt x="3325455" y="41007"/>
+                </a:cubicBezTo>
+                <a:cubicBezTo>
+                  <a:pt x="4246846" y="-91819"/>
+                  <a:pt x="6316130" y="73165"/>
+                  <a:pt x="5875708" y="905073"/>
+                </a:cubicBezTo>
+                <a:cubicBezTo>
+                  <a:pt x="5435286" y="1736981"/>
+                  <a:pt x="1609906" y="4902427"/>
+                  <a:pt x="682923" y="5032456"/>
+                </a:cubicBezTo>
+                <a:cubicBezTo>
+                  <a:pt x="-244060" y="5162485"/>
+                  <a:pt x="-93059" y="2533935"/>
+                  <a:pt x="347363" y="1702027"/>
+                </a:cubicBezTo>
+                <a:close/>
+              </a:path>
+            </a:pathLst>
+          </a:custGeom>
+          <a:ln>
+            <a:noFill/>
+          </a:ln>
+        </p:spPr>
+        <p:style>
+          <a:lnRef idx="2">
+            <a:schemeClr val="accent1">
+              <a:shade val="50000"/>
+            </a:schemeClr>
+          </a:lnRef>
+          <a:fillRef idx="1">
+            <a:schemeClr val="accent1"/>
+          </a:fillRef>
+          <a:effectRef idx="0">
+            <a:schemeClr val="accent1"/>
+          </a:effectRef>
+          <a:fontRef idx="minor">
+            <a:schemeClr val="lt1"/>
+          </a:fontRef>
+        </p:style>
+        <p:txBody>
+          <a:bodyPr rtlCol="0" anchor="ctr"/>
+          <a:lstStyle/>
+          <a:p>
+            <a:pPr algn="ctr"/>
+            <a:endParaRPr lang="en-US"/>
+          </a:p>
+        </p:txBody>
+      </p:sp>
+      <p:sp>
+        <p:nvSpPr>
+          <p:cNvPr id="4" name="Freeform: Shape 3">
+            <a:extLst>
+              <a:ext uri="{FF2B5EF4-FFF2-40B4-BE49-F238E27FC236}">
+                <a16:creationId xmlns:a16="http://schemas.microsoft.com/office/drawing/2014/main" id="{CADCAC82-B87C-48A8-A2C0-B933E8524FE6}"/>
+              </a:ext>
+            </a:extLst>
+          </p:cNvPr>
+          <p:cNvSpPr/>
+          <p:nvPr/>
+        </p:nvSpPr>
+        <p:spPr>
+          <a:xfrm rot="6786993">
+            <a:off x="5141687" y="-4314554"/>
+            <a:ext cx="6493035" cy="11757417"/>
+          </a:xfrm>
+          <a:custGeom>
+            <a:avLst/>
+            <a:gdLst>
+              <a:gd name="connsiteX0" fmla="*/ 2378422 w 4848237"/>
+              <a:gd name="connsiteY0" fmla="*/ 445017 h 6919642"/>
+              <a:gd name="connsiteX1" fmla="*/ 2592067 w 4848237"/>
+              <a:gd name="connsiteY1" fmla="*/ 419379 h 6919642"/>
+              <a:gd name="connsiteX2" fmla="*/ 626534 w 4848237"/>
+              <a:gd name="connsiteY2" fmla="*/ 3436045 h 6919642"/>
+              <a:gd name="connsiteX3" fmla="*/ 28329 w 4848237"/>
+              <a:gd name="connsiteY3" fmla="*/ 4487177 h 6919642"/>
+              <a:gd name="connsiteX4" fmla="*/ 361615 w 4848237"/>
+              <a:gd name="connsiteY4" fmla="*/ 5196478 h 6919642"/>
+              <a:gd name="connsiteX5" fmla="*/ 2592067 w 4848237"/>
+              <a:gd name="connsiteY5" fmla="*/ 6085241 h 6919642"/>
+              <a:gd name="connsiteX6" fmla="*/ 4848157 w 4848237"/>
+              <a:gd name="connsiteY6" fmla="*/ 6563805 h 6919642"/>
+              <a:gd name="connsiteX7" fmla="*/ 2515155 w 4848237"/>
+              <a:gd name="connsiteY7" fmla="*/ 453562 h 6919642"/>
+              <a:gd name="connsiteX8" fmla="*/ 2378422 w 4848237"/>
+              <a:gd name="connsiteY8" fmla="*/ 445017 h 6919642"/>
+            </a:gdLst>
+            <a:ahLst/>
+            <a:cxnLst>
+              <a:cxn ang="0">
+                <a:pos x="connsiteX0" y="connsiteY0"/>
+              </a:cxn>
+              <a:cxn ang="0">
+                <a:pos x="connsiteX1" y="connsiteY1"/>
+              </a:cxn>
+              <a:cxn ang="0">
+                <a:pos x="connsiteX2" y="connsiteY2"/>
+              </a:cxn>
+              <a:cxn ang="0">
+                <a:pos x="connsiteX3" y="connsiteY3"/>
+              </a:cxn>
+              <a:cxn ang="0">
+                <a:pos x="connsiteX4" y="connsiteY4"/>
+              </a:cxn>
+              <a:cxn ang="0">
+                <a:pos x="connsiteX5" y="connsiteY5"/>
+              </a:cxn>
+              <a:cxn ang="0">
+                <a:pos x="connsiteX6" y="connsiteY6"/>
+              </a:cxn>
+              <a:cxn ang="0">
+                <a:pos x="connsiteX7" y="connsiteY7"/>
+              </a:cxn>
+              <a:cxn ang="0">
+                <a:pos x="connsiteX8" y="connsiteY8"/>
+              </a:cxn>
+            </a:cxnLst>
+            <a:rect l="l" t="t" r="r" b="b"/>
+            <a:pathLst>
+              <a:path w="4848237" h="6919642">
+                <a:moveTo>
+                  <a:pt x="2378422" y="445017"/>
+                </a:moveTo>
+                <a:cubicBezTo>
+                  <a:pt x="2391241" y="439320"/>
+                  <a:pt x="2884048" y="-79126"/>
+                  <a:pt x="2592067" y="419379"/>
+                </a:cubicBezTo>
+                <a:cubicBezTo>
+                  <a:pt x="2300086" y="917884"/>
+                  <a:pt x="1053824" y="2758079"/>
+                  <a:pt x="626534" y="3436045"/>
+                </a:cubicBezTo>
+                <a:cubicBezTo>
+                  <a:pt x="199244" y="4114011"/>
+                  <a:pt x="72482" y="4193772"/>
+                  <a:pt x="28329" y="4487177"/>
+                </a:cubicBezTo>
+                <a:cubicBezTo>
+                  <a:pt x="-15824" y="4780582"/>
+                  <a:pt x="-65675" y="4930134"/>
+                  <a:pt x="361615" y="5196478"/>
+                </a:cubicBezTo>
+                <a:cubicBezTo>
+                  <a:pt x="788905" y="5462822"/>
+                  <a:pt x="1844310" y="5857353"/>
+                  <a:pt x="2592067" y="6085241"/>
+                </a:cubicBezTo>
+                <a:cubicBezTo>
+                  <a:pt x="3339824" y="6313129"/>
+                  <a:pt x="4860976" y="7502418"/>
+                  <a:pt x="4848157" y="6563805"/>
+                </a:cubicBezTo>
+                <a:cubicBezTo>
+                  <a:pt x="4835338" y="5625192"/>
+                  <a:pt x="2926777" y="1471936"/>
+                  <a:pt x="2515155" y="453562"/>
+                </a:cubicBezTo>
+                <a:cubicBezTo>
+                  <a:pt x="2103533" y="-564812"/>
+                  <a:pt x="2365603" y="450714"/>
+                  <a:pt x="2378422" y="445017"/>
+                </a:cubicBezTo>
+                <a:close/>
+              </a:path>
+            </a:pathLst>
+          </a:custGeom>
+          <a:solidFill>
+            <a:srgbClr val="002060"/>
+          </a:solidFill>
+          <a:ln>
+            <a:noFill/>
+          </a:ln>
+        </p:spPr>
+        <p:style>
+          <a:lnRef idx="2">
+            <a:schemeClr val="accent1">
+              <a:shade val="50000"/>
+            </a:schemeClr>
+          </a:lnRef>
+          <a:fillRef idx="1">
+            <a:schemeClr val="accent1"/>
+          </a:fillRef>
+          <a:effectRef idx="0">
+            <a:schemeClr val="accent1"/>
+          </a:effectRef>
+          <a:fontRef idx="minor">
+            <a:schemeClr val="lt1"/>
+          </a:fontRef>
+        </p:style>
+        <p:txBody>
+          <a:bodyPr rtlCol="0" anchor="ctr"/>
+          <a:lstStyle/>
+          <a:p>
+            <a:pPr algn="ctr"/>
+            <a:endParaRPr lang="en-US"/>
+          </a:p>
+        </p:txBody>
+      </p:sp>
+      <p:sp>
+        <p:nvSpPr>
+          <p:cNvPr id="2" name="Rectangle 1">
+            <a:extLst>
+              <a:ext uri="{FF2B5EF4-FFF2-40B4-BE49-F238E27FC236}">
+                <a16:creationId xmlns:a16="http://schemas.microsoft.com/office/drawing/2014/main" id="{BED65AB2-AEE7-4243-A88A-042B8DDA2917}"/>
+              </a:ext>
+            </a:extLst>
+          </p:cNvPr>
+          <p:cNvSpPr/>
+          <p:nvPr/>
+        </p:nvSpPr>
+        <p:spPr>
+          <a:xfrm>
+            <a:off x="0" y="5021943"/>
+            <a:ext cx="2061029" cy="1836057"/>
+          </a:xfrm>
+          <a:prstGeom prst="rect">
+            <a:avLst/>
+          </a:prstGeom>
+          <a:ln>
+            <a:noFill/>
+          </a:ln>
+        </p:spPr>
+        <p:style>
+          <a:lnRef idx="2">
+            <a:schemeClr val="accent1">
+              <a:shade val="50000"/>
+            </a:schemeClr>
+          </a:lnRef>
+          <a:fillRef idx="1">
+            <a:schemeClr val="accent1"/>
+          </a:fillRef>
+          <a:effectRef idx="0">
+            <a:schemeClr val="accent1"/>
+          </a:effectRef>
+          <a:fontRef idx="minor">
+            <a:schemeClr val="lt1"/>
+          </a:fontRef>
+        </p:style>
+        <p:txBody>
+          <a:bodyPr rtlCol="0" anchor="ctr"/>
+          <a:lstStyle/>
+          <a:p>
+            <a:pPr algn="ctr"/>
+            <a:endParaRPr lang="en-US"/>
+          </a:p>
+        </p:txBody>
+      </p:sp>
     </p:spTree>
     <p:extLst>
       <p:ext uri="{BB962C8B-B14F-4D97-AF65-F5344CB8AC3E}">
